--- a/II/OOP/Inheritance/Info/04.2. Преизползване-на-класове.pptx
+++ b/II/OOP/Inheritance/Info/04.2. Преизползване-на-класове.pptx
@@ -281,7 +281,7 @@
             <a:fld id="{FE5B4EDC-59C0-49C7-8ADA-5A781B329E02}" type="datetimeFigureOut">
               <a:rPr lang="en-US"/>
               <a:pPr/>
-              <a:t>8/22/2018</a:t>
+              <a:t>9/15/2019</a:t>
             </a:fld>
             <a:endParaRPr dirty="0"/>
           </a:p>
@@ -480,7 +480,7 @@
             <a:fld id="{F2D8D46A-B586-417D-BFBD-8C8FE0AAF762}" type="datetimeFigureOut">
               <a:rPr lang="en-US" smtClean="0"/>
               <a:pPr/>
-              <a:t>8/22/2018</a:t>
+              <a:t>9/15/2019</a:t>
             </a:fld>
             <a:endParaRPr lang="en-US" dirty="0"/>
           </a:p>
@@ -5641,7 +5641,7 @@
           <p:cNvPr id="18" name="Picture 17">
             <a:extLst>
               <a:ext uri="{FF2B5EF4-FFF2-40B4-BE49-F238E27FC236}">
-                <a16:creationId xmlns="" xmlns:a16="http://schemas.microsoft.com/office/drawing/2014/main" id="{09AAFB65-F193-4484-85C5-7FFA43021634}"/>
+                <a16:creationId xmlns:a16="http://schemas.microsoft.com/office/drawing/2014/main" id="{09AAFB65-F193-4484-85C5-7FFA43021634}"/>
               </a:ext>
             </a:extLst>
           </p:cNvPr>
@@ -6656,7 +6656,7 @@
           <p:cNvPr id="23" name="Group 22">
             <a:extLst>
               <a:ext uri="{FF2B5EF4-FFF2-40B4-BE49-F238E27FC236}">
-                <a16:creationId xmlns="" xmlns:a16="http://schemas.microsoft.com/office/drawing/2014/main" id="{A0ADD6E4-664D-4B27-BE61-5A56E60D9702}"/>
+                <a16:creationId xmlns:a16="http://schemas.microsoft.com/office/drawing/2014/main" id="{A0ADD6E4-664D-4B27-BE61-5A56E60D9702}"/>
               </a:ext>
             </a:extLst>
           </p:cNvPr>
@@ -6676,7 +6676,7 @@
             <p:cNvPr id="24" name="Picture 23" descr="http://softuni.bg">
               <a:extLst>
                 <a:ext uri="{FF2B5EF4-FFF2-40B4-BE49-F238E27FC236}">
-                  <a16:creationId xmlns="" xmlns:a16="http://schemas.microsoft.com/office/drawing/2014/main" id="{09FAB067-40A6-4A38-93D1-07FB4AB7C79E}"/>
+                  <a16:creationId xmlns:a16="http://schemas.microsoft.com/office/drawing/2014/main" id="{09FAB067-40A6-4A38-93D1-07FB4AB7C79E}"/>
                 </a:ext>
               </a:extLst>
             </p:cNvPr>
@@ -6712,7 +6712,7 @@
             <p:cNvPr id="25" name="TextBox 24">
               <a:extLst>
                 <a:ext uri="{FF2B5EF4-FFF2-40B4-BE49-F238E27FC236}">
-                  <a16:creationId xmlns="" xmlns:a16="http://schemas.microsoft.com/office/drawing/2014/main" id="{4F5A4366-F5D6-4393-BD7A-141ED3660C17}"/>
+                  <a16:creationId xmlns:a16="http://schemas.microsoft.com/office/drawing/2014/main" id="{4F5A4366-F5D6-4393-BD7A-141ED3660C17}"/>
                 </a:ext>
               </a:extLst>
             </p:cNvPr>
@@ -6788,7 +6788,7 @@
               <a:hlinkClick r:id="rId5" tooltip="This work is licensed under the &quot;Creative Commons Attribution-NonCommercial-ShareAlike 4.0 International&quot; license"/>
               <a:extLst>
                 <a:ext uri="{FF2B5EF4-FFF2-40B4-BE49-F238E27FC236}">
-                  <a16:creationId xmlns="" xmlns:a16="http://schemas.microsoft.com/office/drawing/2014/main" id="{56E2204D-C57C-439A-9210-E0B131EC6C08}"/>
+                  <a16:creationId xmlns:a16="http://schemas.microsoft.com/office/drawing/2014/main" id="{56E2204D-C57C-439A-9210-E0B131EC6C08}"/>
                 </a:ext>
               </a:extLst>
             </p:cNvPr>
@@ -6834,7 +6834,7 @@
             <p:cNvPr id="27" name="Text Placeholder 7">
               <a:extLst>
                 <a:ext uri="{FF2B5EF4-FFF2-40B4-BE49-F238E27FC236}">
-                  <a16:creationId xmlns="" xmlns:a16="http://schemas.microsoft.com/office/drawing/2014/main" id="{DEC0E384-8CE2-4278-814B-20BBC04E2118}"/>
+                  <a16:creationId xmlns:a16="http://schemas.microsoft.com/office/drawing/2014/main" id="{DEC0E384-8CE2-4278-814B-20BBC04E2118}"/>
                 </a:ext>
               </a:extLst>
             </p:cNvPr>
@@ -7091,7 +7091,7 @@
             <p:cNvPr id="28" name="Text Placeholder 10">
               <a:extLst>
                 <a:ext uri="{FF2B5EF4-FFF2-40B4-BE49-F238E27FC236}">
-                  <a16:creationId xmlns="" xmlns:a16="http://schemas.microsoft.com/office/drawing/2014/main" id="{6B9D00F6-6C28-4C4E-8777-DB21EB7CFB3A}"/>
+                  <a16:creationId xmlns:a16="http://schemas.microsoft.com/office/drawing/2014/main" id="{6B9D00F6-6C28-4C4E-8777-DB21EB7CFB3A}"/>
                 </a:ext>
               </a:extLst>
             </p:cNvPr>
@@ -7347,7 +7347,7 @@
             <p:cNvPr id="29" name="Text Placeholder 11">
               <a:extLst>
                 <a:ext uri="{FF2B5EF4-FFF2-40B4-BE49-F238E27FC236}">
-                  <a16:creationId xmlns="" xmlns:a16="http://schemas.microsoft.com/office/drawing/2014/main" id="{F4228145-6F82-4534-95DE-2617A32E17BF}"/>
+                  <a16:creationId xmlns:a16="http://schemas.microsoft.com/office/drawing/2014/main" id="{F4228145-6F82-4534-95DE-2617A32E17BF}"/>
                 </a:ext>
               </a:extLst>
             </p:cNvPr>
@@ -8025,8 +8025,10 @@
                   </a:schemeClr>
                 </a:solidFill>
               </a:rPr>
-              <a:t>  </a:t>
-            </a:r>
+              <a:t>  {</a:t>
+            </a:r>
+          </a:p>
+          <a:p>
             <a:r>
               <a:rPr lang="en-US" sz="3200" dirty="0" smtClean="0">
                 <a:solidFill>
@@ -8036,12 +8038,10 @@
                   </a:schemeClr>
                 </a:solidFill>
               </a:rPr>
-              <a:t>{</a:t>
-            </a:r>
-          </a:p>
-          <a:p>
-            <a:r>
-              <a:rPr lang="en-US" sz="3200" dirty="0" smtClean="0">
+              <a:t>    </a:t>
+            </a:r>
+            <a:r>
+              <a:rPr lang="en-US" sz="3200" dirty="0" err="1" smtClean="0">
                 <a:solidFill>
                   <a:schemeClr val="accent1">
                     <a:lumMod val="20000"/>
@@ -8049,10 +8049,8 @@
                   </a:schemeClr>
                 </a:solidFill>
               </a:rPr>
-              <a:t>    int element = rnd.Next(0, data.Count - 1);</a:t>
-            </a:r>
-          </a:p>
-          <a:p>
+              <a:t>int</a:t>
+            </a:r>
             <a:r>
               <a:rPr lang="en-US" sz="3200" dirty="0" smtClean="0">
                 <a:solidFill>
@@ -8062,12 +8060,10 @@
                   </a:schemeClr>
                 </a:solidFill>
               </a:rPr>
-              <a:t>    string str = data[element];</a:t>
-            </a:r>
-          </a:p>
-          <a:p>
-            <a:r>
-              <a:rPr lang="en-US" sz="3200" dirty="0" smtClean="0">
+              <a:t> element = </a:t>
+            </a:r>
+            <a:r>
+              <a:rPr lang="en-US" sz="3200" dirty="0" err="1" smtClean="0">
                 <a:solidFill>
                   <a:schemeClr val="accent1">
                     <a:lumMod val="20000"/>
@@ -8075,10 +8071,8 @@
                   </a:schemeClr>
                 </a:solidFill>
               </a:rPr>
-              <a:t>    data.Remove(str);</a:t>
-            </a:r>
-          </a:p>
-          <a:p>
+              <a:t>rnd.Next</a:t>
+            </a:r>
             <a:r>
               <a:rPr lang="en-US" sz="3200" dirty="0" smtClean="0">
                 <a:solidFill>
@@ -8088,7 +8082,156 @@
                   </a:schemeClr>
                 </a:solidFill>
               </a:rPr>
-              <a:t>    return str;</a:t>
+              <a:t>(0, </a:t>
+            </a:r>
+            <a:r>
+              <a:rPr lang="en-US" sz="3200" dirty="0" err="1" smtClean="0">
+                <a:solidFill>
+                  <a:schemeClr val="accent1">
+                    <a:lumMod val="20000"/>
+                    <a:lumOff val="80000"/>
+                  </a:schemeClr>
+                </a:solidFill>
+              </a:rPr>
+              <a:t>base.Count</a:t>
+            </a:r>
+            <a:r>
+              <a:rPr lang="en-US" sz="3200" dirty="0" smtClean="0">
+                <a:solidFill>
+                  <a:schemeClr val="accent1">
+                    <a:lumMod val="20000"/>
+                    <a:lumOff val="80000"/>
+                  </a:schemeClr>
+                </a:solidFill>
+              </a:rPr>
+              <a:t> - 1);</a:t>
+            </a:r>
+          </a:p>
+          <a:p>
+            <a:r>
+              <a:rPr lang="en-US" sz="3200" dirty="0" smtClean="0">
+                <a:solidFill>
+                  <a:schemeClr val="accent1">
+                    <a:lumMod val="20000"/>
+                    <a:lumOff val="80000"/>
+                  </a:schemeClr>
+                </a:solidFill>
+              </a:rPr>
+              <a:t>    object </a:t>
+            </a:r>
+            <a:r>
+              <a:rPr lang="en-US" sz="3200" dirty="0" err="1" smtClean="0">
+                <a:solidFill>
+                  <a:schemeClr val="accent1">
+                    <a:lumMod val="20000"/>
+                    <a:lumOff val="80000"/>
+                  </a:schemeClr>
+                </a:solidFill>
+              </a:rPr>
+              <a:t>str</a:t>
+            </a:r>
+            <a:r>
+              <a:rPr lang="en-US" sz="3200" dirty="0" smtClean="0">
+                <a:solidFill>
+                  <a:schemeClr val="accent1">
+                    <a:lumMod val="20000"/>
+                    <a:lumOff val="80000"/>
+                  </a:schemeClr>
+                </a:solidFill>
+              </a:rPr>
+              <a:t> = base[element];</a:t>
+            </a:r>
+          </a:p>
+          <a:p>
+            <a:r>
+              <a:rPr lang="en-US" sz="3200" dirty="0" smtClean="0">
+                <a:solidFill>
+                  <a:schemeClr val="accent1">
+                    <a:lumMod val="20000"/>
+                    <a:lumOff val="80000"/>
+                  </a:schemeClr>
+                </a:solidFill>
+              </a:rPr>
+              <a:t>    </a:t>
+            </a:r>
+            <a:r>
+              <a:rPr lang="en-US" sz="3200" dirty="0" err="1" smtClean="0">
+                <a:solidFill>
+                  <a:schemeClr val="accent1">
+                    <a:lumMod val="20000"/>
+                    <a:lumOff val="80000"/>
+                  </a:schemeClr>
+                </a:solidFill>
+              </a:rPr>
+              <a:t>base.Remove</a:t>
+            </a:r>
+            <a:r>
+              <a:rPr lang="en-US" sz="3200" dirty="0" smtClean="0">
+                <a:solidFill>
+                  <a:schemeClr val="accent1">
+                    <a:lumMod val="20000"/>
+                    <a:lumOff val="80000"/>
+                  </a:schemeClr>
+                </a:solidFill>
+              </a:rPr>
+              <a:t>(</a:t>
+            </a:r>
+            <a:r>
+              <a:rPr lang="en-US" sz="3200" dirty="0" err="1" smtClean="0">
+                <a:solidFill>
+                  <a:schemeClr val="accent1">
+                    <a:lumMod val="20000"/>
+                    <a:lumOff val="80000"/>
+                  </a:schemeClr>
+                </a:solidFill>
+              </a:rPr>
+              <a:t>str</a:t>
+            </a:r>
+            <a:r>
+              <a:rPr lang="en-US" sz="3200" dirty="0" smtClean="0">
+                <a:solidFill>
+                  <a:schemeClr val="accent1">
+                    <a:lumMod val="20000"/>
+                    <a:lumOff val="80000"/>
+                  </a:schemeClr>
+                </a:solidFill>
+              </a:rPr>
+              <a:t>);</a:t>
+            </a:r>
+          </a:p>
+          <a:p>
+            <a:r>
+              <a:rPr lang="en-US" sz="3200" dirty="0" smtClean="0">
+                <a:solidFill>
+                  <a:schemeClr val="accent1">
+                    <a:lumMod val="20000"/>
+                    <a:lumOff val="80000"/>
+                  </a:schemeClr>
+                </a:solidFill>
+              </a:rPr>
+              <a:t>    return </a:t>
+            </a:r>
+            <a:r>
+              <a:rPr lang="en-US" sz="3200" dirty="0" err="1" smtClean="0">
+                <a:solidFill>
+                  <a:schemeClr val="accent1">
+                    <a:lumMod val="20000"/>
+                    <a:lumOff val="80000"/>
+                  </a:schemeClr>
+                </a:solidFill>
+              </a:rPr>
+              <a:t>str</a:t>
+            </a:r>
+            <a:r>
+              <a:rPr lang="en-US" sz="3200" dirty="0" smtClean="0">
+                <a:solidFill>
+                  <a:schemeClr val="accent1">
+                    <a:lumMod val="20000"/>
+                    <a:lumOff val="80000"/>
+                  </a:schemeClr>
+                </a:solidFill>
+              </a:rPr>
+              <a:t>;</a:t>
             </a:r>
           </a:p>
           <a:p>
@@ -11815,17 +11958,7 @@
                   </a:schemeClr>
                 </a:solidFill>
               </a:rPr>
-              <a:t>същарата</a:t>
-            </a:r>
-            <a:r>
-              <a:rPr lang="bg-BG" sz="3200" dirty="0" smtClean="0">
-                <a:solidFill>
-                  <a:schemeClr val="tx2">
-                    <a:lumMod val="75000"/>
-                  </a:schemeClr>
-                </a:solidFill>
-              </a:rPr>
-              <a:t> роля</a:t>
+              <a:t>същарата роля</a:t>
             </a:r>
             <a:endParaRPr lang="en-US" sz="3200" dirty="0">
               <a:solidFill>
@@ -12930,11 +13063,7 @@
             </a:r>
             <a:r>
               <a:rPr lang="bg-BG" sz="3200" noProof="1" smtClean="0"/>
-              <a:t>членове, както и </a:t>
-            </a:r>
-            <a:r>
-              <a:rPr lang="bg-BG" sz="3200" noProof="1" smtClean="0"/>
-              <a:t>могат да достъпят</a:t>
+              <a:t>членове, както и могат да достъпят</a:t>
             </a:r>
             <a:r>
               <a:rPr lang="en-US" sz="3200" noProof="1" smtClean="0"/>
@@ -18005,7 +18134,6 @@
               <a:rPr lang="en-US" noProof="1" smtClean="0"/>
               <a:t>ArrayList</a:t>
             </a:r>
-            <a:endParaRPr lang="en-US" noProof="1" smtClean="0"/>
           </a:p>
           <a:p>
             <a:pPr lvl="1">
